--- a/presentation/Algorithm for Linear model.pptx
+++ b/presentation/Algorithm for Linear model.pptx
@@ -162,128 +162,16 @@
   <pc:docChgLst>
     <pc:chgData name="Hendriks, Rob" userId="c1397476-51d7-416b-9276-de9da7a1b8a6" providerId="ADAL" clId="{5530228B-0BD8-451E-BAD1-66B9143C59C5}"/>
     <pc:docChg chg="undo custSel addSld delSld modSld modSection">
-      <pc:chgData name="Hendriks, Rob" userId="c1397476-51d7-416b-9276-de9da7a1b8a6" providerId="ADAL" clId="{5530228B-0BD8-451E-BAD1-66B9143C59C5}" dt="2026-01-18T06:46:06.185" v="302" actId="1037"/>
+      <pc:chgData name="Hendriks, Rob" userId="c1397476-51d7-416b-9276-de9da7a1b8a6" providerId="ADAL" clId="{5530228B-0BD8-451E-BAD1-66B9143C59C5}" dt="2026-01-21T07:48:49.589" v="457" actId="20577"/>
       <pc:docMkLst>
         <pc:docMk/>
       </pc:docMkLst>
       <pc:sldChg chg="addSp delSp modSp mod">
-        <pc:chgData name="Hendriks, Rob" userId="c1397476-51d7-416b-9276-de9da7a1b8a6" providerId="ADAL" clId="{5530228B-0BD8-451E-BAD1-66B9143C59C5}" dt="2026-01-18T06:46:06.185" v="302" actId="1037"/>
+        <pc:chgData name="Hendriks, Rob" userId="c1397476-51d7-416b-9276-de9da7a1b8a6" providerId="ADAL" clId="{5530228B-0BD8-451E-BAD1-66B9143C59C5}" dt="2026-01-21T07:48:17.014" v="350" actId="20577"/>
         <pc:sldMkLst>
           <pc:docMk/>
           <pc:sldMk cId="3106502544" sldId="425"/>
         </pc:sldMkLst>
-        <pc:spChg chg="mod">
-          <ac:chgData name="Hendriks, Rob" userId="c1397476-51d7-416b-9276-de9da7a1b8a6" providerId="ADAL" clId="{5530228B-0BD8-451E-BAD1-66B9143C59C5}" dt="2026-01-18T06:36:02.271" v="5" actId="1076"/>
-          <ac:spMkLst>
-            <pc:docMk/>
-            <pc:sldMk cId="3106502544" sldId="425"/>
-            <ac:spMk id="14" creationId="{94FF2ED6-6B6F-0D9E-56AB-50AE71020DFA}"/>
-          </ac:spMkLst>
-        </pc:spChg>
-        <pc:spChg chg="mod">
-          <ac:chgData name="Hendriks, Rob" userId="c1397476-51d7-416b-9276-de9da7a1b8a6" providerId="ADAL" clId="{5530228B-0BD8-451E-BAD1-66B9143C59C5}" dt="2026-01-18T06:36:02.271" v="5" actId="1076"/>
-          <ac:spMkLst>
-            <pc:docMk/>
-            <pc:sldMk cId="3106502544" sldId="425"/>
-            <ac:spMk id="15" creationId="{B749BBC8-F0C9-083D-0D48-0B632202D211}"/>
-          </ac:spMkLst>
-        </pc:spChg>
-        <pc:spChg chg="del">
-          <ac:chgData name="Hendriks, Rob" userId="c1397476-51d7-416b-9276-de9da7a1b8a6" providerId="ADAL" clId="{5530228B-0BD8-451E-BAD1-66B9143C59C5}" dt="2026-01-18T06:36:05.869" v="6" actId="478"/>
-          <ac:spMkLst>
-            <pc:docMk/>
-            <pc:sldMk cId="3106502544" sldId="425"/>
-            <ac:spMk id="17" creationId="{2B6ABD1B-06AC-8B1A-2416-69192D0747CB}"/>
-          </ac:spMkLst>
-        </pc:spChg>
-        <pc:spChg chg="del mod">
-          <ac:chgData name="Hendriks, Rob" userId="c1397476-51d7-416b-9276-de9da7a1b8a6" providerId="ADAL" clId="{5530228B-0BD8-451E-BAD1-66B9143C59C5}" dt="2026-01-18T06:36:09.323" v="11"/>
-          <ac:spMkLst>
-            <pc:docMk/>
-            <pc:sldMk cId="3106502544" sldId="425"/>
-            <ac:spMk id="18" creationId="{619041DF-8D88-C655-B62B-CC97432A5126}"/>
-          </ac:spMkLst>
-        </pc:spChg>
-        <pc:spChg chg="del">
-          <ac:chgData name="Hendriks, Rob" userId="c1397476-51d7-416b-9276-de9da7a1b8a6" providerId="ADAL" clId="{5530228B-0BD8-451E-BAD1-66B9143C59C5}" dt="2026-01-18T06:35:51.906" v="1" actId="478"/>
-          <ac:spMkLst>
-            <pc:docMk/>
-            <pc:sldMk cId="3106502544" sldId="425"/>
-            <ac:spMk id="21" creationId="{23FAAA42-9FF4-6FE0-97E3-644D3D606460}"/>
-          </ac:spMkLst>
-        </pc:spChg>
-        <pc:spChg chg="del">
-          <ac:chgData name="Hendriks, Rob" userId="c1397476-51d7-416b-9276-de9da7a1b8a6" providerId="ADAL" clId="{5530228B-0BD8-451E-BAD1-66B9143C59C5}" dt="2026-01-18T06:35:53.939" v="2" actId="478"/>
-          <ac:spMkLst>
-            <pc:docMk/>
-            <pc:sldMk cId="3106502544" sldId="425"/>
-            <ac:spMk id="22" creationId="{3A274794-DAE0-987C-88E2-B93CE1561F14}"/>
-          </ac:spMkLst>
-        </pc:spChg>
-        <pc:spChg chg="del">
-          <ac:chgData name="Hendriks, Rob" userId="c1397476-51d7-416b-9276-de9da7a1b8a6" providerId="ADAL" clId="{5530228B-0BD8-451E-BAD1-66B9143C59C5}" dt="2026-01-18T06:35:51.906" v="1" actId="478"/>
-          <ac:spMkLst>
-            <pc:docMk/>
-            <pc:sldMk cId="3106502544" sldId="425"/>
-            <ac:spMk id="23" creationId="{1C85508F-AA38-D277-16B6-895DE582BE35}"/>
-          </ac:spMkLst>
-        </pc:spChg>
-        <pc:spChg chg="del">
-          <ac:chgData name="Hendriks, Rob" userId="c1397476-51d7-416b-9276-de9da7a1b8a6" providerId="ADAL" clId="{5530228B-0BD8-451E-BAD1-66B9143C59C5}" dt="2026-01-18T06:36:09.323" v="9" actId="478"/>
-          <ac:spMkLst>
-            <pc:docMk/>
-            <pc:sldMk cId="3106502544" sldId="425"/>
-            <ac:spMk id="24" creationId="{C1703B1F-D645-D858-4BBC-B486345321FE}"/>
-          </ac:spMkLst>
-        </pc:spChg>
-        <pc:spChg chg="del">
-          <ac:chgData name="Hendriks, Rob" userId="c1397476-51d7-416b-9276-de9da7a1b8a6" providerId="ADAL" clId="{5530228B-0BD8-451E-BAD1-66B9143C59C5}" dt="2026-01-18T06:36:10.109" v="12" actId="478"/>
-          <ac:spMkLst>
-            <pc:docMk/>
-            <pc:sldMk cId="3106502544" sldId="425"/>
-            <ac:spMk id="25" creationId="{CD4BA000-CD86-C6B1-9843-6F9AE3B41490}"/>
-          </ac:spMkLst>
-        </pc:spChg>
-        <pc:spChg chg="del">
-          <ac:chgData name="Hendriks, Rob" userId="c1397476-51d7-416b-9276-de9da7a1b8a6" providerId="ADAL" clId="{5530228B-0BD8-451E-BAD1-66B9143C59C5}" dt="2026-01-18T06:36:11.152" v="13" actId="478"/>
-          <ac:spMkLst>
-            <pc:docMk/>
-            <pc:sldMk cId="3106502544" sldId="425"/>
-            <ac:spMk id="26" creationId="{BCC051FC-99DD-28DD-7E6F-FA9865135CAC}"/>
-          </ac:spMkLst>
-        </pc:spChg>
-        <pc:spChg chg="del">
-          <ac:chgData name="Hendriks, Rob" userId="c1397476-51d7-416b-9276-de9da7a1b8a6" providerId="ADAL" clId="{5530228B-0BD8-451E-BAD1-66B9143C59C5}" dt="2026-01-18T06:35:51.906" v="1" actId="478"/>
-          <ac:spMkLst>
-            <pc:docMk/>
-            <pc:sldMk cId="3106502544" sldId="425"/>
-            <ac:spMk id="27" creationId="{6FA407F0-BBB3-6B24-51E9-2FADD528D71D}"/>
-          </ac:spMkLst>
-        </pc:spChg>
-        <pc:spChg chg="del">
-          <ac:chgData name="Hendriks, Rob" userId="c1397476-51d7-416b-9276-de9da7a1b8a6" providerId="ADAL" clId="{5530228B-0BD8-451E-BAD1-66B9143C59C5}" dt="2026-01-18T06:35:51.906" v="1" actId="478"/>
-          <ac:spMkLst>
-            <pc:docMk/>
-            <pc:sldMk cId="3106502544" sldId="425"/>
-            <ac:spMk id="28" creationId="{F0237666-3ECC-D1E7-73E7-E1547790912B}"/>
-          </ac:spMkLst>
-        </pc:spChg>
-        <pc:spChg chg="del">
-          <ac:chgData name="Hendriks, Rob" userId="c1397476-51d7-416b-9276-de9da7a1b8a6" providerId="ADAL" clId="{5530228B-0BD8-451E-BAD1-66B9143C59C5}" dt="2026-01-18T06:35:51.906" v="1" actId="478"/>
-          <ac:spMkLst>
-            <pc:docMk/>
-            <pc:sldMk cId="3106502544" sldId="425"/>
-            <ac:spMk id="29" creationId="{54330084-CB8E-CF14-4ECF-2D17E6033645}"/>
-          </ac:spMkLst>
-        </pc:spChg>
-        <pc:spChg chg="del">
-          <ac:chgData name="Hendriks, Rob" userId="c1397476-51d7-416b-9276-de9da7a1b8a6" providerId="ADAL" clId="{5530228B-0BD8-451E-BAD1-66B9143C59C5}" dt="2026-01-18T06:36:06.927" v="7" actId="478"/>
-          <ac:spMkLst>
-            <pc:docMk/>
-            <pc:sldMk cId="3106502544" sldId="425"/>
-            <ac:spMk id="30" creationId="{0DFCF1C3-CFA1-F519-0118-20028465B17C}"/>
-          </ac:spMkLst>
-        </pc:spChg>
         <pc:spChg chg="mod">
           <ac:chgData name="Hendriks, Rob" userId="c1397476-51d7-416b-9276-de9da7a1b8a6" providerId="ADAL" clId="{5530228B-0BD8-451E-BAD1-66B9143C59C5}" dt="2026-01-18T06:41:54.761" v="133" actId="1076"/>
           <ac:spMkLst>
@@ -293,7 +181,7 @@
           </ac:spMkLst>
         </pc:spChg>
         <pc:spChg chg="mod">
-          <ac:chgData name="Hendriks, Rob" userId="c1397476-51d7-416b-9276-de9da7a1b8a6" providerId="ADAL" clId="{5530228B-0BD8-451E-BAD1-66B9143C59C5}" dt="2026-01-18T06:41:54.761" v="133" actId="1076"/>
+          <ac:chgData name="Hendriks, Rob" userId="c1397476-51d7-416b-9276-de9da7a1b8a6" providerId="ADAL" clId="{5530228B-0BD8-451E-BAD1-66B9143C59C5}" dt="2026-01-21T07:48:17.014" v="350" actId="20577"/>
           <ac:spMkLst>
             <pc:docMk/>
             <pc:sldMk cId="3106502544" sldId="425"/>
@@ -316,54 +204,22 @@
             <ac:spMk id="50" creationId="{6CC40E4C-81BE-AE0F-2D77-6FD8D4377D82}"/>
           </ac:spMkLst>
         </pc:spChg>
-        <pc:grpChg chg="add del mod">
-          <ac:chgData name="Hendriks, Rob" userId="c1397476-51d7-416b-9276-de9da7a1b8a6" providerId="ADAL" clId="{5530228B-0BD8-451E-BAD1-66B9143C59C5}" dt="2026-01-18T06:36:13.213" v="14" actId="478"/>
-          <ac:grpSpMkLst>
-            <pc:docMk/>
-            <pc:sldMk cId="3106502544" sldId="425"/>
-            <ac:grpSpMk id="16" creationId="{30A8AFA6-DC1B-30AA-824A-A09F7CBF38BE}"/>
-          </ac:grpSpMkLst>
-        </pc:grpChg>
-        <pc:graphicFrameChg chg="del">
-          <ac:chgData name="Hendriks, Rob" userId="c1397476-51d7-416b-9276-de9da7a1b8a6" providerId="ADAL" clId="{5530228B-0BD8-451E-BAD1-66B9143C59C5}" dt="2026-01-18T06:35:51.906" v="1" actId="478"/>
+        <pc:graphicFrameChg chg="modGraphic">
+          <ac:chgData name="Hendriks, Rob" userId="c1397476-51d7-416b-9276-de9da7a1b8a6" providerId="ADAL" clId="{5530228B-0BD8-451E-BAD1-66B9143C59C5}" dt="2026-01-21T07:47:08.932" v="309" actId="207"/>
           <ac:graphicFrameMkLst>
             <pc:docMk/>
             <pc:sldMk cId="3106502544" sldId="425"/>
-            <ac:graphicFrameMk id="9" creationId="{8EB85BE8-6C31-DA11-B93F-D40937F9DE80}"/>
-          </ac:graphicFrameMkLst>
-        </pc:graphicFrameChg>
-        <pc:graphicFrameChg chg="del">
-          <ac:chgData name="Hendriks, Rob" userId="c1397476-51d7-416b-9276-de9da7a1b8a6" providerId="ADAL" clId="{5530228B-0BD8-451E-BAD1-66B9143C59C5}" dt="2026-01-18T06:35:51.906" v="1" actId="478"/>
-          <ac:graphicFrameMkLst>
-            <pc:docMk/>
-            <pc:sldMk cId="3106502544" sldId="425"/>
-            <ac:graphicFrameMk id="12" creationId="{0327B2D8-A83C-C1EE-419B-80416BDAFC58}"/>
+            <ac:graphicFrameMk id="5" creationId="{0FBE4B93-2092-0923-7869-C63BDBF2EB48}"/>
           </ac:graphicFrameMkLst>
         </pc:graphicFrameChg>
         <pc:graphicFrameChg chg="add mod modGraphic">
-          <ac:chgData name="Hendriks, Rob" userId="c1397476-51d7-416b-9276-de9da7a1b8a6" providerId="ADAL" clId="{5530228B-0BD8-451E-BAD1-66B9143C59C5}" dt="2026-01-18T06:41:34.683" v="129" actId="1076"/>
+          <ac:chgData name="Hendriks, Rob" userId="c1397476-51d7-416b-9276-de9da7a1b8a6" providerId="ADAL" clId="{5530228B-0BD8-451E-BAD1-66B9143C59C5}" dt="2026-01-21T07:47:14.550" v="310" actId="207"/>
           <ac:graphicFrameMkLst>
             <pc:docMk/>
             <pc:sldMk cId="3106502544" sldId="425"/>
             <ac:graphicFrameMk id="40" creationId="{A00D2AF4-F06D-A3E0-7585-E7A8517A8FAC}"/>
           </ac:graphicFrameMkLst>
         </pc:graphicFrameChg>
-        <pc:picChg chg="add del mod">
-          <ac:chgData name="Hendriks, Rob" userId="c1397476-51d7-416b-9276-de9da7a1b8a6" providerId="ADAL" clId="{5530228B-0BD8-451E-BAD1-66B9143C59C5}" dt="2026-01-18T06:36:35.531" v="32" actId="478"/>
-          <ac:picMkLst>
-            <pc:docMk/>
-            <pc:sldMk cId="3106502544" sldId="425"/>
-            <ac:picMk id="3" creationId="{252AF122-6830-88AB-A655-EE634FB14D1B}"/>
-          </ac:picMkLst>
-        </pc:picChg>
-        <pc:picChg chg="mod">
-          <ac:chgData name="Hendriks, Rob" userId="c1397476-51d7-416b-9276-de9da7a1b8a6" providerId="ADAL" clId="{5530228B-0BD8-451E-BAD1-66B9143C59C5}" dt="2026-01-18T06:36:02.271" v="5" actId="1076"/>
-          <ac:picMkLst>
-            <pc:docMk/>
-            <pc:sldMk cId="3106502544" sldId="425"/>
-            <ac:picMk id="4" creationId="{7988745C-6FFE-6A3A-0B55-C0005013DE94}"/>
-          </ac:picMkLst>
-        </pc:picChg>
         <pc:picChg chg="mod">
           <ac:chgData name="Hendriks, Rob" userId="c1397476-51d7-416b-9276-de9da7a1b8a6" providerId="ADAL" clId="{5530228B-0BD8-451E-BAD1-66B9143C59C5}" dt="2026-01-18T06:36:54.962" v="36" actId="408"/>
           <ac:picMkLst>
@@ -372,44 +228,12 @@
             <ac:picMk id="6" creationId="{508EEF65-3E05-4D17-1D2E-EE8352063593}"/>
           </ac:picMkLst>
         </pc:picChg>
-        <pc:picChg chg="del">
-          <ac:chgData name="Hendriks, Rob" userId="c1397476-51d7-416b-9276-de9da7a1b8a6" providerId="ADAL" clId="{5530228B-0BD8-451E-BAD1-66B9143C59C5}" dt="2026-01-18T06:36:17.201" v="16" actId="478"/>
-          <ac:picMkLst>
-            <pc:docMk/>
-            <pc:sldMk cId="3106502544" sldId="425"/>
-            <ac:picMk id="7" creationId="{DC8A93B9-04F3-DED1-1525-64EAB3FF1643}"/>
-          </ac:picMkLst>
-        </pc:picChg>
         <pc:picChg chg="mod">
           <ac:chgData name="Hendriks, Rob" userId="c1397476-51d7-416b-9276-de9da7a1b8a6" providerId="ADAL" clId="{5530228B-0BD8-451E-BAD1-66B9143C59C5}" dt="2026-01-18T06:36:54.962" v="36" actId="408"/>
           <ac:picMkLst>
             <pc:docMk/>
             <pc:sldMk cId="3106502544" sldId="425"/>
             <ac:picMk id="8" creationId="{917AF48E-E69C-F596-EFE0-F895F67EE255}"/>
-          </ac:picMkLst>
-        </pc:picChg>
-        <pc:picChg chg="del">
-          <ac:chgData name="Hendriks, Rob" userId="c1397476-51d7-416b-9276-de9da7a1b8a6" providerId="ADAL" clId="{5530228B-0BD8-451E-BAD1-66B9143C59C5}" dt="2026-01-18T06:35:51.906" v="1" actId="478"/>
-          <ac:picMkLst>
-            <pc:docMk/>
-            <pc:sldMk cId="3106502544" sldId="425"/>
-            <ac:picMk id="10" creationId="{CD4C3662-75ED-3FE9-51A1-D96A37EE409C}"/>
-          </ac:picMkLst>
-        </pc:picChg>
-        <pc:picChg chg="del">
-          <ac:chgData name="Hendriks, Rob" userId="c1397476-51d7-416b-9276-de9da7a1b8a6" providerId="ADAL" clId="{5530228B-0BD8-451E-BAD1-66B9143C59C5}" dt="2026-01-18T06:35:51.906" v="1" actId="478"/>
-          <ac:picMkLst>
-            <pc:docMk/>
-            <pc:sldMk cId="3106502544" sldId="425"/>
-            <ac:picMk id="11" creationId="{DA62C149-4F08-4564-8019-F70F55BA06AD}"/>
-          </ac:picMkLst>
-        </pc:picChg>
-        <pc:picChg chg="del">
-          <ac:chgData name="Hendriks, Rob" userId="c1397476-51d7-416b-9276-de9da7a1b8a6" providerId="ADAL" clId="{5530228B-0BD8-451E-BAD1-66B9143C59C5}" dt="2026-01-18T06:35:48.794" v="0" actId="478"/>
-          <ac:picMkLst>
-            <pc:docMk/>
-            <pc:sldMk cId="3106502544" sldId="425"/>
-            <ac:picMk id="13" creationId="{F9CF2CE4-4097-CF07-DD5E-E9C19339F455}"/>
           </ac:picMkLst>
         </pc:picChg>
         <pc:picChg chg="add mod">
@@ -525,15 +349,8 @@
           </ac:cxnSpMkLst>
         </pc:cxnChg>
       </pc:sldChg>
-      <pc:sldChg chg="del">
-        <pc:chgData name="Hendriks, Rob" userId="c1397476-51d7-416b-9276-de9da7a1b8a6" providerId="ADAL" clId="{5530228B-0BD8-451E-BAD1-66B9143C59C5}" dt="2026-01-18T06:45:50.908" v="294" actId="47"/>
-        <pc:sldMkLst>
-          <pc:docMk/>
-          <pc:sldMk cId="1148510786" sldId="426"/>
-        </pc:sldMkLst>
-      </pc:sldChg>
       <pc:sldChg chg="addSp modSp add mod">
-        <pc:chgData name="Hendriks, Rob" userId="c1397476-51d7-416b-9276-de9da7a1b8a6" providerId="ADAL" clId="{5530228B-0BD8-451E-BAD1-66B9143C59C5}" dt="2026-01-18T06:45:48.023" v="293" actId="20577"/>
+        <pc:chgData name="Hendriks, Rob" userId="c1397476-51d7-416b-9276-de9da7a1b8a6" providerId="ADAL" clId="{5530228B-0BD8-451E-BAD1-66B9143C59C5}" dt="2026-01-21T07:48:49.589" v="457" actId="20577"/>
         <pc:sldMkLst>
           <pc:docMk/>
           <pc:sldMk cId="2606288737" sldId="427"/>
@@ -571,7 +388,7 @@
           </ac:spMkLst>
         </pc:spChg>
         <pc:spChg chg="mod">
-          <ac:chgData name="Hendriks, Rob" userId="c1397476-51d7-416b-9276-de9da7a1b8a6" providerId="ADAL" clId="{5530228B-0BD8-451E-BAD1-66B9143C59C5}" dt="2026-01-18T06:45:29.417" v="289" actId="20577"/>
+          <ac:chgData name="Hendriks, Rob" userId="c1397476-51d7-416b-9276-de9da7a1b8a6" providerId="ADAL" clId="{5530228B-0BD8-451E-BAD1-66B9143C59C5}" dt="2026-01-21T07:48:49.589" v="457" actId="20577"/>
           <ac:spMkLst>
             <pc:docMk/>
             <pc:sldMk cId="2606288737" sldId="427"/>
@@ -602,8 +419,8 @@
             <ac:grpSpMk id="3" creationId="{87A0CE71-F038-A196-0027-FF993FFA1E54}"/>
           </ac:grpSpMkLst>
         </pc:grpChg>
-        <pc:graphicFrameChg chg="mod">
-          <ac:chgData name="Hendriks, Rob" userId="c1397476-51d7-416b-9276-de9da7a1b8a6" providerId="ADAL" clId="{5530228B-0BD8-451E-BAD1-66B9143C59C5}" dt="2026-01-18T06:43:13.437" v="198" actId="1038"/>
+        <pc:graphicFrameChg chg="mod modGraphic">
+          <ac:chgData name="Hendriks, Rob" userId="c1397476-51d7-416b-9276-de9da7a1b8a6" providerId="ADAL" clId="{5530228B-0BD8-451E-BAD1-66B9143C59C5}" dt="2026-01-21T07:47:21.836" v="311" actId="207"/>
           <ac:graphicFrameMkLst>
             <pc:docMk/>
             <pc:sldMk cId="2606288737" sldId="427"/>
@@ -611,11 +428,19 @@
           </ac:graphicFrameMkLst>
         </pc:graphicFrameChg>
         <pc:graphicFrameChg chg="add mod modGraphic">
-          <ac:chgData name="Hendriks, Rob" userId="c1397476-51d7-416b-9276-de9da7a1b8a6" providerId="ADAL" clId="{5530228B-0BD8-451E-BAD1-66B9143C59C5}" dt="2026-01-18T06:44:22.088" v="213" actId="1076"/>
+          <ac:chgData name="Hendriks, Rob" userId="c1397476-51d7-416b-9276-de9da7a1b8a6" providerId="ADAL" clId="{5530228B-0BD8-451E-BAD1-66B9143C59C5}" dt="2026-01-21T07:47:35.931" v="316" actId="20577"/>
           <ac:graphicFrameMkLst>
             <pc:docMk/>
             <pc:sldMk cId="2606288737" sldId="427"/>
             <ac:graphicFrameMk id="9" creationId="{9A85D95A-E237-BD21-530A-088A461475B1}"/>
+          </ac:graphicFrameMkLst>
+        </pc:graphicFrameChg>
+        <pc:graphicFrameChg chg="modGraphic">
+          <ac:chgData name="Hendriks, Rob" userId="c1397476-51d7-416b-9276-de9da7a1b8a6" providerId="ADAL" clId="{5530228B-0BD8-451E-BAD1-66B9143C59C5}" dt="2026-01-21T07:47:32.644" v="314" actId="20577"/>
+          <ac:graphicFrameMkLst>
+            <pc:docMk/>
+            <pc:sldMk cId="2606288737" sldId="427"/>
+            <ac:graphicFrameMk id="40" creationId="{6F1256D8-0460-4645-8942-FB3843D41E48}"/>
           </ac:graphicFrameMkLst>
         </pc:graphicFrameChg>
         <pc:picChg chg="mod">
@@ -788,7 +613,7 @@
                 <a:latin typeface="Calibri" panose="020F0502020204030204" pitchFamily="34" charset="0"/>
                 <a:cs typeface="Calibri" panose="020F0502020204030204" pitchFamily="34" charset="0"/>
               </a:rPr>
-              <a:t>1/18/2026</a:t>
+              <a:t>1/21/2026</a:t>
             </a:fld>
             <a:endParaRPr lang="en-US" dirty="0">
               <a:latin typeface="Calibri" panose="020F0502020204030204" pitchFamily="34" charset="0"/>
@@ -998,7 +823,7 @@
             <a:fld id="{533895C0-2991-1741-81AF-563E5518032A}" type="datetimeFigureOut">
               <a:rPr lang="en-US" smtClean="0"/>
               <a:pPr/>
-              <a:t>1/18/2026</a:t>
+              <a:t>1/21/2026</a:t>
             </a:fld>
             <a:endParaRPr lang="en-US" dirty="0"/>
           </a:p>
@@ -1639,7 +1464,7 @@
         <p:fade/>
       </p:transition>
     </mc:Choice>
-    <mc:Fallback xmlns:a14="http://schemas.microsoft.com/office/drawing/2010/main" xmlns:a16="http://schemas.microsoft.com/office/drawing/2014/main" xmlns="">
+    <mc:Fallback xmlns="" xmlns:a16="http://schemas.microsoft.com/office/drawing/2014/main" xmlns:a14="http://schemas.microsoft.com/office/drawing/2010/main">
       <p:transition>
         <p:fade/>
       </p:transition>
@@ -2897,7 +2722,7 @@
         <p:fade/>
       </p:transition>
     </mc:Choice>
-    <mc:Fallback xmlns:a16="http://schemas.microsoft.com/office/drawing/2014/main" xmlns="">
+    <mc:Fallback xmlns="" xmlns:a16="http://schemas.microsoft.com/office/drawing/2014/main">
       <p:transition>
         <p:fade/>
       </p:transition>
@@ -3350,7 +3175,7 @@
         <p:fade/>
       </p:transition>
     </mc:Choice>
-    <mc:Fallback xmlns:a14="http://schemas.microsoft.com/office/drawing/2010/main" xmlns:a16="http://schemas.microsoft.com/office/drawing/2014/main" xmlns="">
+    <mc:Fallback xmlns="" xmlns:a16="http://schemas.microsoft.com/office/drawing/2014/main" xmlns:a14="http://schemas.microsoft.com/office/drawing/2010/main">
       <p:transition>
         <p:fade/>
       </p:transition>
@@ -3612,7 +3437,7 @@
         <p:fade/>
       </p:transition>
     </mc:Choice>
-    <mc:Fallback xmlns:a16="http://schemas.microsoft.com/office/drawing/2014/main" xmlns="">
+    <mc:Fallback xmlns="" xmlns:a16="http://schemas.microsoft.com/office/drawing/2014/main">
       <p:transition>
         <p:fade/>
       </p:transition>
@@ -3885,7 +3710,7 @@
         <p:fade/>
       </p:transition>
     </mc:Choice>
-    <mc:Fallback xmlns:a16="http://schemas.microsoft.com/office/drawing/2014/main" xmlns="">
+    <mc:Fallback xmlns="" xmlns:a16="http://schemas.microsoft.com/office/drawing/2014/main">
       <p:transition>
         <p:fade/>
       </p:transition>
@@ -4338,7 +4163,7 @@
         <p:fade/>
       </p:transition>
     </mc:Choice>
-    <mc:Fallback xmlns:a14="http://schemas.microsoft.com/office/drawing/2010/main" xmlns:a16="http://schemas.microsoft.com/office/drawing/2014/main" xmlns="">
+    <mc:Fallback xmlns="" xmlns:a16="http://schemas.microsoft.com/office/drawing/2014/main" xmlns:a14="http://schemas.microsoft.com/office/drawing/2010/main">
       <p:transition>
         <p:fade/>
       </p:transition>
@@ -4742,7 +4567,7 @@
         <p:fade/>
       </p:transition>
     </mc:Choice>
-    <mc:Fallback xmlns:a14="http://schemas.microsoft.com/office/drawing/2010/main" xmlns:a16="http://schemas.microsoft.com/office/drawing/2014/main" xmlns="">
+    <mc:Fallback xmlns="" xmlns:a16="http://schemas.microsoft.com/office/drawing/2014/main" xmlns:a14="http://schemas.microsoft.com/office/drawing/2010/main">
       <p:transition>
         <p:fade/>
       </p:transition>
@@ -4968,7 +4793,7 @@
         <p:fade/>
       </p:transition>
     </mc:Choice>
-    <mc:Fallback xmlns:a16="http://schemas.microsoft.com/office/drawing/2014/main" xmlns="">
+    <mc:Fallback xmlns="" xmlns:a16="http://schemas.microsoft.com/office/drawing/2014/main">
       <p:transition>
         <p:fade/>
       </p:transition>
@@ -5183,7 +5008,7 @@
         <p:fade/>
       </p:transition>
     </mc:Choice>
-    <mc:Fallback xmlns:a16="http://schemas.microsoft.com/office/drawing/2014/main" xmlns="">
+    <mc:Fallback xmlns="" xmlns:a16="http://schemas.microsoft.com/office/drawing/2014/main">
       <p:transition>
         <p:fade/>
       </p:transition>
@@ -5587,7 +5412,7 @@
         <p:fade/>
       </p:transition>
     </mc:Choice>
-    <mc:Fallback xmlns:a14="http://schemas.microsoft.com/office/drawing/2010/main" xmlns:a16="http://schemas.microsoft.com/office/drawing/2014/main" xmlns="">
+    <mc:Fallback xmlns="" xmlns:a16="http://schemas.microsoft.com/office/drawing/2014/main" xmlns:a14="http://schemas.microsoft.com/office/drawing/2010/main">
       <p:transition>
         <p:fade/>
       </p:transition>
@@ -5930,7 +5755,7 @@
         <p:fade/>
       </p:transition>
     </mc:Choice>
-    <mc:Fallback xmlns:a14="http://schemas.microsoft.com/office/drawing/2010/main" xmlns:a16="http://schemas.microsoft.com/office/drawing/2014/main" xmlns="">
+    <mc:Fallback xmlns="" xmlns:a16="http://schemas.microsoft.com/office/drawing/2014/main" xmlns:a14="http://schemas.microsoft.com/office/drawing/2010/main">
       <p:transition>
         <p:fade/>
       </p:transition>
@@ -6283,7 +6108,7 @@
         <p:fade/>
       </p:transition>
     </mc:Choice>
-    <mc:Fallback xmlns:a14="http://schemas.microsoft.com/office/drawing/2010/main" xmlns:a16="http://schemas.microsoft.com/office/drawing/2014/main" xmlns="">
+    <mc:Fallback xmlns="" xmlns:a16="http://schemas.microsoft.com/office/drawing/2014/main" xmlns:a14="http://schemas.microsoft.com/office/drawing/2010/main">
       <p:transition>
         <p:fade/>
       </p:transition>
@@ -6436,7 +6261,7 @@
         <p:fade/>
       </p:transition>
     </mc:Choice>
-    <mc:Fallback xmlns:p15="http://schemas.microsoft.com/office/powerpoint/2012/main" xmlns:a16="http://schemas.microsoft.com/office/drawing/2014/main" xmlns="">
+    <mc:Fallback xmlns="" xmlns:a16="http://schemas.microsoft.com/office/drawing/2014/main" xmlns:p15="http://schemas.microsoft.com/office/powerpoint/2012/main">
       <p:transition>
         <p:fade/>
       </p:transition>
@@ -6602,7 +6427,7 @@
         <p:fade/>
       </p:transition>
     </mc:Choice>
-    <mc:Fallback xmlns:a16="http://schemas.microsoft.com/office/drawing/2014/main" xmlns="">
+    <mc:Fallback xmlns="" xmlns:a16="http://schemas.microsoft.com/office/drawing/2014/main">
       <p:transition>
         <p:fade/>
       </p:transition>
@@ -6948,7 +6773,7 @@
         <p:fade/>
       </p:transition>
     </mc:Choice>
-    <mc:Fallback xmlns:a14="http://schemas.microsoft.com/office/drawing/2010/main" xmlns:a16="http://schemas.microsoft.com/office/drawing/2014/main" xmlns="">
+    <mc:Fallback xmlns="" xmlns:a16="http://schemas.microsoft.com/office/drawing/2014/main" xmlns:a14="http://schemas.microsoft.com/office/drawing/2010/main">
       <p:transition>
         <p:fade/>
       </p:transition>
@@ -7212,7 +7037,7 @@
         <p:fade/>
       </p:transition>
     </mc:Choice>
-    <mc:Fallback xmlns:a16="http://schemas.microsoft.com/office/drawing/2014/main" xmlns="">
+    <mc:Fallback xmlns="" xmlns:a16="http://schemas.microsoft.com/office/drawing/2014/main">
       <p:transition>
         <p:fade/>
       </p:transition>
@@ -7526,7 +7351,7 @@
         <p:fade/>
       </p:transition>
     </mc:Choice>
-    <mc:Fallback xmlns:a16="http://schemas.microsoft.com/office/drawing/2014/main" xmlns="">
+    <mc:Fallback xmlns="" xmlns:a16="http://schemas.microsoft.com/office/drawing/2014/main">
       <p:transition>
         <p:fade/>
       </p:transition>
@@ -7906,7 +7731,7 @@
         <p:fade/>
       </p:transition>
     </mc:Choice>
-    <mc:Fallback xmlns:a16="http://schemas.microsoft.com/office/drawing/2014/main" xmlns="">
+    <mc:Fallback xmlns="" xmlns:a16="http://schemas.microsoft.com/office/drawing/2014/main">
       <p:transition>
         <p:fade/>
       </p:transition>
@@ -8917,7 +8742,7 @@
         <p:fade/>
       </p:transition>
     </mc:Choice>
-    <mc:Fallback xmlns:a16="http://schemas.microsoft.com/office/drawing/2014/main" xmlns="">
+    <mc:Fallback xmlns="" xmlns:a16="http://schemas.microsoft.com/office/drawing/2014/main">
       <p:transition>
         <p:fade/>
       </p:transition>
@@ -9250,7 +9075,7 @@
         <p:fade/>
       </p:transition>
     </mc:Choice>
-    <mc:Fallback xmlns:a16="http://schemas.microsoft.com/office/drawing/2014/main" xmlns="">
+    <mc:Fallback xmlns="" xmlns:a16="http://schemas.microsoft.com/office/drawing/2014/main">
       <p:transition>
         <p:fade/>
       </p:transition>
@@ -10192,7 +10017,7 @@
         <p:fade/>
       </p:transition>
     </mc:Choice>
-    <mc:Fallback xmlns:a16="http://schemas.microsoft.com/office/drawing/2014/main" xmlns="">
+    <mc:Fallback xmlns="" xmlns:a16="http://schemas.microsoft.com/office/drawing/2014/main">
       <p:transition>
         <p:fade/>
       </p:transition>
@@ -10328,7 +10153,7 @@
         <p:fade/>
       </p:transition>
     </mc:Choice>
-    <mc:Fallback xmlns:a16="http://schemas.microsoft.com/office/drawing/2014/main" xmlns="">
+    <mc:Fallback xmlns="" xmlns:a16="http://schemas.microsoft.com/office/drawing/2014/main">
       <p:transition>
         <p:fade/>
       </p:transition>
@@ -10681,7 +10506,7 @@
         <p:fade/>
       </p:transition>
     </mc:Choice>
-    <mc:Fallback xmlns:a14="http://schemas.microsoft.com/office/drawing/2010/main" xmlns:a16="http://schemas.microsoft.com/office/drawing/2014/main" xmlns="">
+    <mc:Fallback xmlns="" xmlns:a16="http://schemas.microsoft.com/office/drawing/2014/main" xmlns:a14="http://schemas.microsoft.com/office/drawing/2010/main">
       <p:transition>
         <p:fade/>
       </p:transition>
@@ -10899,7 +10724,7 @@
         <p:fade/>
       </p:transition>
     </mc:Choice>
-    <mc:Fallback xmlns:a14="http://schemas.microsoft.com/office/drawing/2010/main" xmlns:a16="http://schemas.microsoft.com/office/drawing/2014/main" xmlns="">
+    <mc:Fallback xmlns="" xmlns:a16="http://schemas.microsoft.com/office/drawing/2014/main" xmlns:a14="http://schemas.microsoft.com/office/drawing/2010/main">
       <p:transition>
         <p:fade/>
       </p:transition>
@@ -11164,7 +10989,7 @@
         <p:fade/>
       </p:transition>
     </mc:Choice>
-    <mc:Fallback xmlns:a14="http://schemas.microsoft.com/office/drawing/2010/main" xmlns:a16="http://schemas.microsoft.com/office/drawing/2014/main" xmlns="">
+    <mc:Fallback xmlns="" xmlns:a16="http://schemas.microsoft.com/office/drawing/2014/main" xmlns:a14="http://schemas.microsoft.com/office/drawing/2010/main">
       <p:transition>
         <p:fade/>
       </p:transition>
@@ -11921,7 +11746,7 @@
         <p:fade/>
       </p:transition>
     </mc:Choice>
-    <mc:Fallback xmlns:a14="http://schemas.microsoft.com/office/drawing/2010/main" xmlns:a16="http://schemas.microsoft.com/office/drawing/2014/main" xmlns="">
+    <mc:Fallback xmlns="" xmlns:a16="http://schemas.microsoft.com/office/drawing/2014/main" xmlns:a14="http://schemas.microsoft.com/office/drawing/2010/main">
       <p:transition>
         <p:fade/>
       </p:transition>
@@ -12274,7 +12099,7 @@
         <p:fade/>
       </p:transition>
     </mc:Choice>
-    <mc:Fallback xmlns:p15="http://schemas.microsoft.com/office/powerpoint/2012/main" xmlns:a14="http://schemas.microsoft.com/office/drawing/2010/main" xmlns:a16="http://schemas.microsoft.com/office/drawing/2014/main" xmlns="">
+    <mc:Fallback xmlns="" xmlns:a16="http://schemas.microsoft.com/office/drawing/2014/main" xmlns:a14="http://schemas.microsoft.com/office/drawing/2010/main" xmlns:p15="http://schemas.microsoft.com/office/powerpoint/2012/main">
       <p:transition>
         <p:fade/>
       </p:transition>
@@ -12877,7 +12702,7 @@
         <p:fade/>
       </p:transition>
     </mc:Choice>
-    <mc:Fallback xmlns:p15="http://schemas.microsoft.com/office/powerpoint/2012/main" xmlns:a14="http://schemas.microsoft.com/office/drawing/2010/main" xmlns:v="urn:schemas-microsoft-com:vml" xmlns:a16="http://schemas.microsoft.com/office/drawing/2014/main" xmlns="">
+    <mc:Fallback xmlns="" xmlns:a16="http://schemas.microsoft.com/office/drawing/2014/main" xmlns:v="urn:schemas-microsoft-com:vml" xmlns:a14="http://schemas.microsoft.com/office/drawing/2010/main" xmlns:p15="http://schemas.microsoft.com/office/powerpoint/2012/main">
       <p:transition>
         <p:fade/>
       </p:transition>
@@ -13471,7 +13296,7 @@
         <p:fade/>
       </p:transition>
     </mc:Choice>
-    <mc:Fallback xmlns:p15="http://schemas.microsoft.com/office/powerpoint/2012/main" xmlns:a14="http://schemas.microsoft.com/office/drawing/2010/main" xmlns:v="urn:schemas-microsoft-com:vml" xmlns:a16="http://schemas.microsoft.com/office/drawing/2014/main" xmlns="">
+    <mc:Fallback xmlns="" xmlns:a16="http://schemas.microsoft.com/office/drawing/2014/main" xmlns:v="urn:schemas-microsoft-com:vml" xmlns:a14="http://schemas.microsoft.com/office/drawing/2010/main" xmlns:p15="http://schemas.microsoft.com/office/powerpoint/2012/main">
       <p:transition>
         <p:fade/>
       </p:transition>
@@ -14060,7 +13885,7 @@
         <p:fade/>
       </p:transition>
     </mc:Choice>
-    <mc:Fallback xmlns:p15="http://schemas.microsoft.com/office/powerpoint/2012/main" xmlns:a14="http://schemas.microsoft.com/office/drawing/2010/main" xmlns:v="urn:schemas-microsoft-com:vml" xmlns:a16="http://schemas.microsoft.com/office/drawing/2014/main" xmlns="">
+    <mc:Fallback xmlns="" xmlns:a16="http://schemas.microsoft.com/office/drawing/2014/main" xmlns:v="urn:schemas-microsoft-com:vml" xmlns:a14="http://schemas.microsoft.com/office/drawing/2010/main" xmlns:p15="http://schemas.microsoft.com/office/powerpoint/2012/main">
       <p:transition>
         <p:fade/>
       </p:transition>
@@ -14663,7 +14488,7 @@
         <p:fade/>
       </p:transition>
     </mc:Choice>
-    <mc:Fallback xmlns:p15="http://schemas.microsoft.com/office/powerpoint/2012/main" xmlns:a14="http://schemas.microsoft.com/office/drawing/2010/main" xmlns:v="urn:schemas-microsoft-com:vml" xmlns:a16="http://schemas.microsoft.com/office/drawing/2014/main" xmlns="">
+    <mc:Fallback xmlns="" xmlns:a16="http://schemas.microsoft.com/office/drawing/2014/main" xmlns:v="urn:schemas-microsoft-com:vml" xmlns:a14="http://schemas.microsoft.com/office/drawing/2010/main" xmlns:p15="http://schemas.microsoft.com/office/powerpoint/2012/main">
       <p:transition>
         <p:fade/>
       </p:transition>
@@ -15320,7 +15145,13 @@
           <p:cNvGraphicFramePr>
             <a:graphicFrameLocks noGrp="1"/>
           </p:cNvGraphicFramePr>
-          <p:nvPr/>
+          <p:nvPr>
+            <p:extLst>
+              <p:ext uri="{D42A27DB-BD31-4B8C-83A1-F6EECF244321}">
+                <p14:modId xmlns:p14="http://schemas.microsoft.com/office/powerpoint/2010/main" val="3131509505"/>
+              </p:ext>
+            </p:extLst>
+          </p:nvPr>
         </p:nvGraphicFramePr>
         <p:xfrm>
           <a:off x="858110" y="828716"/>
@@ -15436,12 +15267,16 @@
                     <a:lstStyle/>
                     <a:p>
                       <a:r>
-                        <a:rPr lang="nl-NL"/>
+                        <a:rPr lang="nl-NL" dirty="0"/>
                         <a:t>1</a:t>
                       </a:r>
                     </a:p>
                   </a:txBody>
-                  <a:tcPr/>
+                  <a:tcPr>
+                    <a:solidFill>
+                      <a:schemeClr val="accent2"/>
+                    </a:solidFill>
+                  </a:tcPr>
                 </a:tc>
                 <a:tc>
                   <a:txBody>
@@ -15748,7 +15583,39 @@
             </a:r>
             <a:r>
               <a:rPr lang="nl-NL" dirty="0"/>
-              <a:t> Bob</a:t>
+              <a:t> Bob (in </a:t>
+            </a:r>
+            <a:r>
+              <a:rPr lang="nl-NL" dirty="0" err="1"/>
+              <a:t>this</a:t>
+            </a:r>
+            <a:r>
+              <a:rPr lang="nl-NL" dirty="0"/>
+              <a:t> </a:t>
+            </a:r>
+            <a:r>
+              <a:rPr lang="nl-NL" dirty="0" err="1"/>
+              <a:t>example</a:t>
+            </a:r>
+            <a:r>
+              <a:rPr lang="nl-NL" dirty="0"/>
+              <a:t> </a:t>
+            </a:r>
+            <a:r>
+              <a:rPr lang="nl-NL" dirty="0" err="1"/>
+              <a:t>the</a:t>
+            </a:r>
+            <a:r>
+              <a:rPr lang="nl-NL" dirty="0"/>
+              <a:t> </a:t>
+            </a:r>
+            <a:r>
+              <a:rPr lang="nl-NL" dirty="0" err="1"/>
+              <a:t>parity</a:t>
+            </a:r>
+            <a:r>
+              <a:rPr lang="nl-NL" dirty="0"/>
+              <a:t> is 1)</a:t>
             </a:r>
           </a:p>
         </p:txBody>
@@ -16091,8 +15958,8 @@
           </a:extLst>
         </p:spPr>
       </p:pic>
-      <mc:AlternateContent xmlns:mc="http://schemas.openxmlformats.org/markup-compatibility/2006">
-        <mc:Choice xmlns:a14="http://schemas.microsoft.com/office/drawing/2010/main" Requires="a14">
+      <mc:AlternateContent xmlns:mc="http://schemas.openxmlformats.org/markup-compatibility/2006" xmlns:a14="http://schemas.microsoft.com/office/drawing/2010/main">
+        <mc:Choice Requires="a14">
           <p:sp>
             <p:nvSpPr>
               <p:cNvPr id="39" name="TextBox 38">
@@ -16202,7 +16069,7 @@
             </p:txBody>
           </p:sp>
         </mc:Choice>
-        <mc:Fallback>
+        <mc:Fallback xmlns="">
           <p:sp>
             <p:nvSpPr>
               <p:cNvPr id="39" name="TextBox 38">
@@ -16262,7 +16129,7 @@
           <p:nvPr>
             <p:extLst>
               <p:ext uri="{D42A27DB-BD31-4B8C-83A1-F6EECF244321}">
-                <p14:modId xmlns:p14="http://schemas.microsoft.com/office/powerpoint/2010/main" val="3758271338"/>
+                <p14:modId xmlns:p14="http://schemas.microsoft.com/office/powerpoint/2010/main" val="276610008"/>
               </p:ext>
             </p:extLst>
           </p:nvPr>
@@ -16386,7 +16253,11 @@
                       </a:r>
                     </a:p>
                   </a:txBody>
-                  <a:tcPr/>
+                  <a:tcPr>
+                    <a:solidFill>
+                      <a:schemeClr val="accent2"/>
+                    </a:solidFill>
+                  </a:tcPr>
                 </a:tc>
                 <a:tc>
                   <a:txBody>
@@ -16954,7 +16825,7 @@
           <p:nvPr>
             <p:extLst>
               <p:ext uri="{D42A27DB-BD31-4B8C-83A1-F6EECF244321}">
-                <p14:modId xmlns:p14="http://schemas.microsoft.com/office/powerpoint/2010/main" val="2887104162"/>
+                <p14:modId xmlns:p14="http://schemas.microsoft.com/office/powerpoint/2010/main" val="250731195"/>
               </p:ext>
             </p:extLst>
           </p:nvPr>
@@ -17034,8 +16905,8 @@
                     <a:lstStyle/>
                     <a:p>
                       <a:r>
-                        <a:rPr lang="nl-NL"/>
-                        <a:t>1</a:t>
+                        <a:rPr lang="nl-NL" dirty="0"/>
+                        <a:t>0</a:t>
                       </a:r>
                     </a:p>
                   </a:txBody>
@@ -17073,12 +16944,16 @@
                     <a:lstStyle/>
                     <a:p>
                       <a:r>
-                        <a:rPr lang="nl-NL"/>
+                        <a:rPr lang="nl-NL" dirty="0"/>
                         <a:t>1</a:t>
                       </a:r>
                     </a:p>
                   </a:txBody>
-                  <a:tcPr/>
+                  <a:tcPr>
+                    <a:solidFill>
+                      <a:schemeClr val="accent2"/>
+                    </a:solidFill>
+                  </a:tcPr>
                 </a:tc>
                 <a:tc>
                   <a:txBody>
@@ -17086,8 +16961,8 @@
                     <a:lstStyle/>
                     <a:p>
                       <a:r>
-                        <a:rPr lang="nl-NL"/>
-                        <a:t>1</a:t>
+                        <a:rPr lang="nl-NL" dirty="0"/>
+                        <a:t>0</a:t>
                       </a:r>
                     </a:p>
                   </a:txBody>
@@ -17126,7 +17001,7 @@
                     <a:p>
                       <a:r>
                         <a:rPr lang="nl-NL" dirty="0"/>
-                        <a:t>1</a:t>
+                        <a:t>0</a:t>
                       </a:r>
                     </a:p>
                   </a:txBody>
@@ -17342,7 +17217,7 @@
         <p:spPr>
           <a:xfrm>
             <a:off x="5045903" y="3808288"/>
-            <a:ext cx="3027680" cy="507831"/>
+            <a:ext cx="3027680" cy="923330"/>
           </a:xfrm>
           <a:prstGeom prst="rect">
             <a:avLst/>
@@ -17399,7 +17274,74 @@
               <a:rPr lang="nl-NL" dirty="0" err="1"/>
               <a:t>guess</a:t>
             </a:r>
-            <a:endParaRPr lang="nl-NL" dirty="0"/>
+            <a:r>
+              <a:rPr lang="nl-NL" dirty="0"/>
+              <a:t>. In </a:t>
+            </a:r>
+            <a:r>
+              <a:rPr lang="nl-NL" dirty="0" err="1"/>
+              <a:t>this</a:t>
+            </a:r>
+            <a:r>
+              <a:rPr lang="nl-NL" dirty="0"/>
+              <a:t> </a:t>
+            </a:r>
+            <a:r>
+              <a:rPr lang="nl-NL" dirty="0" err="1"/>
+              <a:t>example</a:t>
+            </a:r>
+            <a:r>
+              <a:rPr lang="nl-NL" dirty="0"/>
+              <a:t> </a:t>
+            </a:r>
+            <a:r>
+              <a:rPr lang="nl-NL" dirty="0" err="1"/>
+              <a:t>Bob’s</a:t>
+            </a:r>
+            <a:r>
+              <a:rPr lang="nl-NL" dirty="0"/>
+              <a:t> </a:t>
+            </a:r>
+            <a:r>
+              <a:rPr lang="nl-NL" dirty="0" err="1"/>
+              <a:t>parity</a:t>
+            </a:r>
+            <a:r>
+              <a:rPr lang="nl-NL" dirty="0"/>
+              <a:t> is 0 and </a:t>
+            </a:r>
+            <a:r>
+              <a:rPr lang="nl-NL" dirty="0" err="1"/>
+              <a:t>the</a:t>
+            </a:r>
+            <a:r>
+              <a:rPr lang="nl-NL" dirty="0"/>
+              <a:t> </a:t>
+            </a:r>
+            <a:r>
+              <a:rPr lang="nl-NL" dirty="0" err="1"/>
+              <a:t>Alice’s</a:t>
+            </a:r>
+            <a:r>
+              <a:rPr lang="nl-NL" dirty="0"/>
+              <a:t> bit is 1, </a:t>
+            </a:r>
+            <a:r>
+              <a:rPr lang="nl-NL" dirty="0" err="1"/>
+              <a:t>so</a:t>
+            </a:r>
+            <a:r>
+              <a:rPr lang="nl-NL" dirty="0"/>
+              <a:t> Bob </a:t>
+            </a:r>
+            <a:r>
+              <a:rPr lang="nl-NL" dirty="0" err="1"/>
+              <a:t>guesses</a:t>
+            </a:r>
+            <a:r>
+              <a:rPr lang="nl-NL" dirty="0"/>
+              <a:t> 1.</a:t>
+            </a:r>
           </a:p>
         </p:txBody>
       </p:sp>
@@ -17741,8 +17683,8 @@
           </a:extLst>
         </p:spPr>
       </p:pic>
-      <mc:AlternateContent xmlns:mc="http://schemas.openxmlformats.org/markup-compatibility/2006">
-        <mc:Choice xmlns:a14="http://schemas.microsoft.com/office/drawing/2010/main" Requires="a14">
+      <mc:AlternateContent xmlns:mc="http://schemas.openxmlformats.org/markup-compatibility/2006" xmlns:a14="http://schemas.microsoft.com/office/drawing/2010/main">
+        <mc:Choice Requires="a14">
           <p:sp>
             <p:nvSpPr>
               <p:cNvPr id="39" name="TextBox 38">
@@ -17852,7 +17794,7 @@
             </p:txBody>
           </p:sp>
         </mc:Choice>
-        <mc:Fallback>
+        <mc:Fallback xmlns="">
           <p:sp>
             <p:nvSpPr>
               <p:cNvPr id="39" name="TextBox 38">
@@ -17912,7 +17854,7 @@
           <p:nvPr>
             <p:extLst>
               <p:ext uri="{D42A27DB-BD31-4B8C-83A1-F6EECF244321}">
-                <p14:modId xmlns:p14="http://schemas.microsoft.com/office/powerpoint/2010/main" val="2019005625"/>
+                <p14:modId xmlns:p14="http://schemas.microsoft.com/office/powerpoint/2010/main" val="513109231"/>
               </p:ext>
             </p:extLst>
           </p:nvPr>
@@ -18032,11 +17974,15 @@
                     <a:p>
                       <a:r>
                         <a:rPr lang="nl-NL" dirty="0"/>
-                        <a:t>0</a:t>
+                        <a:t>1</a:t>
                       </a:r>
                     </a:p>
                   </a:txBody>
-                  <a:tcPr/>
+                  <a:tcPr>
+                    <a:solidFill>
+                      <a:schemeClr val="accent2"/>
+                    </a:solidFill>
+                  </a:tcPr>
                 </a:tc>
                 <a:tc>
                   <a:txBody>
@@ -18640,7 +18586,7 @@
           <p:nvPr>
             <p:extLst>
               <p:ext uri="{D42A27DB-BD31-4B8C-83A1-F6EECF244321}">
-                <p14:modId xmlns:p14="http://schemas.microsoft.com/office/powerpoint/2010/main" val="2020247231"/>
+                <p14:modId xmlns:p14="http://schemas.microsoft.com/office/powerpoint/2010/main" val="1984560215"/>
               </p:ext>
             </p:extLst>
           </p:nvPr>
@@ -18673,7 +18619,7 @@
                       <a:pPr algn="ctr"/>
                       <a:r>
                         <a:rPr lang="nl-NL" dirty="0"/>
-                        <a:t>0</a:t>
+                        <a:t>1</a:t>
                       </a:r>
                     </a:p>
                   </a:txBody>
@@ -19808,21 +19754,21 @@
 </file>
 
 <file path=customXml/item1.xml><?xml version="1.0" encoding="utf-8"?>
+<TemplafyFormConfiguration><![CDATA[{"formFields":[],"formDataEntries":[]}]]></TemplafyFormConfiguration>
+</file>
+
+<file path=customXml/item2.xml><?xml version="1.0" encoding="utf-8"?>
 <TemplafyTemplateConfiguration><![CDATA[{"elementsMetadata":[],"transformationConfigurations":[],"templateName":"Philips Master Template (updated margins)","templateDescription":"","enableDocumentContentUpdater":false,"version":"2.0"}]]></TemplafyTemplateConfiguration>
 </file>
 
-<file path=customXml/item2.xml><?xml version="1.0" encoding="utf-8"?>
-<TemplafyFormConfiguration><![CDATA[{"formFields":[],"formDataEntries":[]}]]></TemplafyFormConfiguration>
-</file>
-
 <file path=customXml/itemProps1.xml><?xml version="1.0" encoding="utf-8"?>
-<ds:datastoreItem xmlns:ds="http://schemas.openxmlformats.org/officeDocument/2006/customXml" ds:itemID="{BFBCB3F7-860C-40CC-8532-A042390E68D6}">
+<ds:datastoreItem xmlns:ds="http://schemas.openxmlformats.org/officeDocument/2006/customXml" ds:itemID="{758FF650-907C-428F-AD7B-6BA9D849A6CB}">
   <ds:schemaRefs/>
 </ds:datastoreItem>
 </file>
 
 <file path=customXml/itemProps2.xml><?xml version="1.0" encoding="utf-8"?>
-<ds:datastoreItem xmlns:ds="http://schemas.openxmlformats.org/officeDocument/2006/customXml" ds:itemID="{758FF650-907C-428F-AD7B-6BA9D849A6CB}">
+<ds:datastoreItem xmlns:ds="http://schemas.openxmlformats.org/officeDocument/2006/customXml" ds:itemID="{BFBCB3F7-860C-40CC-8532-A042390E68D6}">
   <ds:schemaRefs/>
 </ds:datastoreItem>
 </file>
